--- a/Work report.pptx
+++ b/Work report.pptx
@@ -1,15 +1,17 @@
 
 <file path=ppt/presentation.xml><?xml version="1.0" encoding="utf-8"?>
-<p:presentation xmlns:a="http://schemas.openxmlformats.org/drawingml/2006/main" xmlns:r="http://schemas.openxmlformats.org/officeDocument/2006/relationships" xmlns:p="http://schemas.openxmlformats.org/presentationml/2006/main" saveSubsetFonts="1">
+<p:presentation xmlns:a="http://schemas.openxmlformats.org/drawingml/2006/main" xmlns:r="http://schemas.openxmlformats.org/officeDocument/2006/relationships" xmlns:p="http://schemas.openxmlformats.org/presentationml/2006/main">
   <p:sldMasterIdLst>
     <p:sldMasterId id="2147483648" r:id="rId1"/>
   </p:sldMasterIdLst>
   <p:sldIdLst>
-    <p:sldId id="256" r:id="rId2"/>
-    <p:sldId id="257" r:id="rId3"/>
-    <p:sldId id="258" r:id="rId4"/>
-    <p:sldId id="259" r:id="rId5"/>
-    <p:sldId id="260" r:id="rId6"/>
+    <p:sldId id="256" r:id="rId3"/>
+    <p:sldId id="257" r:id="rId4"/>
+    <p:sldId id="258" r:id="rId5"/>
+    <p:sldId id="259" r:id="rId6"/>
+    <p:sldId id="261" r:id="rId7"/>
+    <p:sldId id="262" r:id="rId8"/>
+    <p:sldId id="260" r:id="rId9"/>
   </p:sldIdLst>
   <p:sldSz cx="9144000" cy="6858000" type="screen4x3"/>
   <p:notesSz cx="6858000" cy="9144000"/>
@@ -292,7 +294,6 @@
           <a:p>
             <a:fld id="{3F87D2B3-F1E6-4207-9C5C-EDC36A7B18E3}" type="datetimeFigureOut">
               <a:rPr lang="zh-CN" altLang="en-US" smtClean="0"/>
-              <a:t>2021/3/3</a:t>
             </a:fld>
             <a:endParaRPr lang="zh-CN" altLang="en-US"/>
           </a:p>
@@ -334,7 +335,6 @@
           <a:p>
             <a:fld id="{FC4DED76-851D-4F77-9C2C-EA899D3F4EE9}" type="slidenum">
               <a:rPr lang="zh-CN" altLang="en-US" smtClean="0"/>
-              <a:t>‹#›</a:t>
             </a:fld>
             <a:endParaRPr lang="zh-CN" altLang="en-US"/>
           </a:p>
@@ -408,6 +408,7 @@
               <a:rPr lang="zh-CN" altLang="en-US" smtClean="0"/>
               <a:t>单击此处编辑母版文本样式</a:t>
             </a:r>
+            <a:endParaRPr lang="zh-CN" altLang="en-US" smtClean="0"/>
           </a:p>
           <a:p>
             <a:pPr lvl="1"/>
@@ -415,6 +416,7 @@
               <a:rPr lang="zh-CN" altLang="en-US" smtClean="0"/>
               <a:t>第二级</a:t>
             </a:r>
+            <a:endParaRPr lang="zh-CN" altLang="en-US" smtClean="0"/>
           </a:p>
           <a:p>
             <a:pPr lvl="2"/>
@@ -422,6 +424,7 @@
               <a:rPr lang="zh-CN" altLang="en-US" smtClean="0"/>
               <a:t>第三级</a:t>
             </a:r>
+            <a:endParaRPr lang="zh-CN" altLang="en-US" smtClean="0"/>
           </a:p>
           <a:p>
             <a:pPr lvl="3"/>
@@ -429,6 +432,7 @@
               <a:rPr lang="zh-CN" altLang="en-US" smtClean="0"/>
               <a:t>第四级</a:t>
             </a:r>
+            <a:endParaRPr lang="zh-CN" altLang="en-US" smtClean="0"/>
           </a:p>
           <a:p>
             <a:pPr lvl="4"/>
@@ -457,7 +461,6 @@
           <a:p>
             <a:fld id="{3F87D2B3-F1E6-4207-9C5C-EDC36A7B18E3}" type="datetimeFigureOut">
               <a:rPr lang="zh-CN" altLang="en-US" smtClean="0"/>
-              <a:t>2021/3/3</a:t>
             </a:fld>
             <a:endParaRPr lang="zh-CN" altLang="en-US"/>
           </a:p>
@@ -499,7 +502,6 @@
           <a:p>
             <a:fld id="{FC4DED76-851D-4F77-9C2C-EA899D3F4EE9}" type="slidenum">
               <a:rPr lang="zh-CN" altLang="en-US" smtClean="0"/>
-              <a:t>‹#›</a:t>
             </a:fld>
             <a:endParaRPr lang="zh-CN" altLang="en-US"/>
           </a:p>
@@ -583,6 +585,7 @@
               <a:rPr lang="zh-CN" altLang="en-US" smtClean="0"/>
               <a:t>单击此处编辑母版文本样式</a:t>
             </a:r>
+            <a:endParaRPr lang="zh-CN" altLang="en-US" smtClean="0"/>
           </a:p>
           <a:p>
             <a:pPr lvl="1"/>
@@ -590,6 +593,7 @@
               <a:rPr lang="zh-CN" altLang="en-US" smtClean="0"/>
               <a:t>第二级</a:t>
             </a:r>
+            <a:endParaRPr lang="zh-CN" altLang="en-US" smtClean="0"/>
           </a:p>
           <a:p>
             <a:pPr lvl="2"/>
@@ -597,6 +601,7 @@
               <a:rPr lang="zh-CN" altLang="en-US" smtClean="0"/>
               <a:t>第三级</a:t>
             </a:r>
+            <a:endParaRPr lang="zh-CN" altLang="en-US" smtClean="0"/>
           </a:p>
           <a:p>
             <a:pPr lvl="3"/>
@@ -604,6 +609,7 @@
               <a:rPr lang="zh-CN" altLang="en-US" smtClean="0"/>
               <a:t>第四级</a:t>
             </a:r>
+            <a:endParaRPr lang="zh-CN" altLang="en-US" smtClean="0"/>
           </a:p>
           <a:p>
             <a:pPr lvl="4"/>
@@ -632,7 +638,6 @@
           <a:p>
             <a:fld id="{3F87D2B3-F1E6-4207-9C5C-EDC36A7B18E3}" type="datetimeFigureOut">
               <a:rPr lang="zh-CN" altLang="en-US" smtClean="0"/>
-              <a:t>2021/3/3</a:t>
             </a:fld>
             <a:endParaRPr lang="zh-CN" altLang="en-US"/>
           </a:p>
@@ -674,7 +679,6 @@
           <a:p>
             <a:fld id="{FC4DED76-851D-4F77-9C2C-EA899D3F4EE9}" type="slidenum">
               <a:rPr lang="zh-CN" altLang="en-US" smtClean="0"/>
-              <a:t>‹#›</a:t>
             </a:fld>
             <a:endParaRPr lang="zh-CN" altLang="en-US"/>
           </a:p>
@@ -748,6 +752,7 @@
               <a:rPr lang="zh-CN" altLang="en-US" smtClean="0"/>
               <a:t>单击此处编辑母版文本样式</a:t>
             </a:r>
+            <a:endParaRPr lang="zh-CN" altLang="en-US" smtClean="0"/>
           </a:p>
           <a:p>
             <a:pPr lvl="1"/>
@@ -755,6 +760,7 @@
               <a:rPr lang="zh-CN" altLang="en-US" smtClean="0"/>
               <a:t>第二级</a:t>
             </a:r>
+            <a:endParaRPr lang="zh-CN" altLang="en-US" smtClean="0"/>
           </a:p>
           <a:p>
             <a:pPr lvl="2"/>
@@ -762,6 +768,7 @@
               <a:rPr lang="zh-CN" altLang="en-US" smtClean="0"/>
               <a:t>第三级</a:t>
             </a:r>
+            <a:endParaRPr lang="zh-CN" altLang="en-US" smtClean="0"/>
           </a:p>
           <a:p>
             <a:pPr lvl="3"/>
@@ -769,6 +776,7 @@
               <a:rPr lang="zh-CN" altLang="en-US" smtClean="0"/>
               <a:t>第四级</a:t>
             </a:r>
+            <a:endParaRPr lang="zh-CN" altLang="en-US" smtClean="0"/>
           </a:p>
           <a:p>
             <a:pPr lvl="4"/>
@@ -797,7 +805,6 @@
           <a:p>
             <a:fld id="{3F87D2B3-F1E6-4207-9C5C-EDC36A7B18E3}" type="datetimeFigureOut">
               <a:rPr lang="zh-CN" altLang="en-US" smtClean="0"/>
-              <a:t>2021/3/3</a:t>
             </a:fld>
             <a:endParaRPr lang="zh-CN" altLang="en-US"/>
           </a:p>
@@ -839,7 +846,6 @@
           <a:p>
             <a:fld id="{FC4DED76-851D-4F77-9C2C-EA899D3F4EE9}" type="slidenum">
               <a:rPr lang="zh-CN" altLang="en-US" smtClean="0"/>
-              <a:t>‹#›</a:t>
             </a:fld>
             <a:endParaRPr lang="zh-CN" altLang="en-US"/>
           </a:p>
@@ -1018,6 +1024,7 @@
               <a:rPr lang="zh-CN" altLang="en-US" smtClean="0"/>
               <a:t>单击此处编辑母版文本样式</a:t>
             </a:r>
+            <a:endParaRPr lang="zh-CN" altLang="en-US" smtClean="0"/>
           </a:p>
         </p:txBody>
       </p:sp>
@@ -1038,7 +1045,6 @@
           <a:p>
             <a:fld id="{3F87D2B3-F1E6-4207-9C5C-EDC36A7B18E3}" type="datetimeFigureOut">
               <a:rPr lang="zh-CN" altLang="en-US" smtClean="0"/>
-              <a:t>2021/3/3</a:t>
             </a:fld>
             <a:endParaRPr lang="zh-CN" altLang="en-US"/>
           </a:p>
@@ -1080,7 +1086,6 @@
           <a:p>
             <a:fld id="{FC4DED76-851D-4F77-9C2C-EA899D3F4EE9}" type="slidenum">
               <a:rPr lang="zh-CN" altLang="en-US" smtClean="0"/>
-              <a:t>‹#›</a:t>
             </a:fld>
             <a:endParaRPr lang="zh-CN" altLang="en-US"/>
           </a:p>
@@ -1187,6 +1192,7 @@
               <a:rPr lang="zh-CN" altLang="en-US" smtClean="0"/>
               <a:t>单击此处编辑母版文本样式</a:t>
             </a:r>
+            <a:endParaRPr lang="zh-CN" altLang="en-US" smtClean="0"/>
           </a:p>
           <a:p>
             <a:pPr lvl="1"/>
@@ -1194,6 +1200,7 @@
               <a:rPr lang="zh-CN" altLang="en-US" smtClean="0"/>
               <a:t>第二级</a:t>
             </a:r>
+            <a:endParaRPr lang="zh-CN" altLang="en-US" smtClean="0"/>
           </a:p>
           <a:p>
             <a:pPr lvl="2"/>
@@ -1201,6 +1208,7 @@
               <a:rPr lang="zh-CN" altLang="en-US" smtClean="0"/>
               <a:t>第三级</a:t>
             </a:r>
+            <a:endParaRPr lang="zh-CN" altLang="en-US" smtClean="0"/>
           </a:p>
           <a:p>
             <a:pPr lvl="3"/>
@@ -1208,6 +1216,7 @@
               <a:rPr lang="zh-CN" altLang="en-US" smtClean="0"/>
               <a:t>第四级</a:t>
             </a:r>
+            <a:endParaRPr lang="zh-CN" altLang="en-US" smtClean="0"/>
           </a:p>
           <a:p>
             <a:pPr lvl="4"/>
@@ -1272,6 +1281,7 @@
               <a:rPr lang="zh-CN" altLang="en-US" smtClean="0"/>
               <a:t>单击此处编辑母版文本样式</a:t>
             </a:r>
+            <a:endParaRPr lang="zh-CN" altLang="en-US" smtClean="0"/>
           </a:p>
           <a:p>
             <a:pPr lvl="1"/>
@@ -1279,6 +1289,7 @@
               <a:rPr lang="zh-CN" altLang="en-US" smtClean="0"/>
               <a:t>第二级</a:t>
             </a:r>
+            <a:endParaRPr lang="zh-CN" altLang="en-US" smtClean="0"/>
           </a:p>
           <a:p>
             <a:pPr lvl="2"/>
@@ -1286,6 +1297,7 @@
               <a:rPr lang="zh-CN" altLang="en-US" smtClean="0"/>
               <a:t>第三级</a:t>
             </a:r>
+            <a:endParaRPr lang="zh-CN" altLang="en-US" smtClean="0"/>
           </a:p>
           <a:p>
             <a:pPr lvl="3"/>
@@ -1293,6 +1305,7 @@
               <a:rPr lang="zh-CN" altLang="en-US" smtClean="0"/>
               <a:t>第四级</a:t>
             </a:r>
+            <a:endParaRPr lang="zh-CN" altLang="en-US" smtClean="0"/>
           </a:p>
           <a:p>
             <a:pPr lvl="4"/>
@@ -1321,7 +1334,6 @@
           <a:p>
             <a:fld id="{3F87D2B3-F1E6-4207-9C5C-EDC36A7B18E3}" type="datetimeFigureOut">
               <a:rPr lang="zh-CN" altLang="en-US" smtClean="0"/>
-              <a:t>2021/3/3</a:t>
             </a:fld>
             <a:endParaRPr lang="zh-CN" altLang="en-US"/>
           </a:p>
@@ -1363,7 +1375,6 @@
           <a:p>
             <a:fld id="{FC4DED76-851D-4F77-9C2C-EA899D3F4EE9}" type="slidenum">
               <a:rPr lang="zh-CN" altLang="en-US" smtClean="0"/>
-              <a:t>‹#›</a:t>
             </a:fld>
             <a:endParaRPr lang="zh-CN" altLang="en-US"/>
           </a:p>
@@ -1483,6 +1494,7 @@
               <a:rPr lang="zh-CN" altLang="en-US" smtClean="0"/>
               <a:t>单击此处编辑母版文本样式</a:t>
             </a:r>
+            <a:endParaRPr lang="zh-CN" altLang="en-US" smtClean="0"/>
           </a:p>
         </p:txBody>
       </p:sp>
@@ -1539,6 +1551,7 @@
               <a:rPr lang="zh-CN" altLang="en-US" smtClean="0"/>
               <a:t>单击此处编辑母版文本样式</a:t>
             </a:r>
+            <a:endParaRPr lang="zh-CN" altLang="en-US" smtClean="0"/>
           </a:p>
           <a:p>
             <a:pPr lvl="1"/>
@@ -1546,6 +1559,7 @@
               <a:rPr lang="zh-CN" altLang="en-US" smtClean="0"/>
               <a:t>第二级</a:t>
             </a:r>
+            <a:endParaRPr lang="zh-CN" altLang="en-US" smtClean="0"/>
           </a:p>
           <a:p>
             <a:pPr lvl="2"/>
@@ -1553,6 +1567,7 @@
               <a:rPr lang="zh-CN" altLang="en-US" smtClean="0"/>
               <a:t>第三级</a:t>
             </a:r>
+            <a:endParaRPr lang="zh-CN" altLang="en-US" smtClean="0"/>
           </a:p>
           <a:p>
             <a:pPr lvl="3"/>
@@ -1560,6 +1575,7 @@
               <a:rPr lang="zh-CN" altLang="en-US" smtClean="0"/>
               <a:t>第四级</a:t>
             </a:r>
+            <a:endParaRPr lang="zh-CN" altLang="en-US" smtClean="0"/>
           </a:p>
           <a:p>
             <a:pPr lvl="4"/>
@@ -1633,6 +1649,7 @@
               <a:rPr lang="zh-CN" altLang="en-US" smtClean="0"/>
               <a:t>单击此处编辑母版文本样式</a:t>
             </a:r>
+            <a:endParaRPr lang="zh-CN" altLang="en-US" smtClean="0"/>
           </a:p>
         </p:txBody>
       </p:sp>
@@ -1689,6 +1706,7 @@
               <a:rPr lang="zh-CN" altLang="en-US" smtClean="0"/>
               <a:t>单击此处编辑母版文本样式</a:t>
             </a:r>
+            <a:endParaRPr lang="zh-CN" altLang="en-US" smtClean="0"/>
           </a:p>
           <a:p>
             <a:pPr lvl="1"/>
@@ -1696,6 +1714,7 @@
               <a:rPr lang="zh-CN" altLang="en-US" smtClean="0"/>
               <a:t>第二级</a:t>
             </a:r>
+            <a:endParaRPr lang="zh-CN" altLang="en-US" smtClean="0"/>
           </a:p>
           <a:p>
             <a:pPr lvl="2"/>
@@ -1703,6 +1722,7 @@
               <a:rPr lang="zh-CN" altLang="en-US" smtClean="0"/>
               <a:t>第三级</a:t>
             </a:r>
+            <a:endParaRPr lang="zh-CN" altLang="en-US" smtClean="0"/>
           </a:p>
           <a:p>
             <a:pPr lvl="3"/>
@@ -1710,6 +1730,7 @@
               <a:rPr lang="zh-CN" altLang="en-US" smtClean="0"/>
               <a:t>第四级</a:t>
             </a:r>
+            <a:endParaRPr lang="zh-CN" altLang="en-US" smtClean="0"/>
           </a:p>
           <a:p>
             <a:pPr lvl="4"/>
@@ -1738,7 +1759,6 @@
           <a:p>
             <a:fld id="{3F87D2B3-F1E6-4207-9C5C-EDC36A7B18E3}" type="datetimeFigureOut">
               <a:rPr lang="zh-CN" altLang="en-US" smtClean="0"/>
-              <a:t>2021/3/3</a:t>
             </a:fld>
             <a:endParaRPr lang="zh-CN" altLang="en-US"/>
           </a:p>
@@ -1780,7 +1800,6 @@
           <a:p>
             <a:fld id="{FC4DED76-851D-4F77-9C2C-EA899D3F4EE9}" type="slidenum">
               <a:rPr lang="zh-CN" altLang="en-US" smtClean="0"/>
-              <a:t>‹#›</a:t>
             </a:fld>
             <a:endParaRPr lang="zh-CN" altLang="en-US"/>
           </a:p>
@@ -1851,7 +1870,6 @@
           <a:p>
             <a:fld id="{3F87D2B3-F1E6-4207-9C5C-EDC36A7B18E3}" type="datetimeFigureOut">
               <a:rPr lang="zh-CN" altLang="en-US" smtClean="0"/>
-              <a:t>2021/3/3</a:t>
             </a:fld>
             <a:endParaRPr lang="zh-CN" altLang="en-US"/>
           </a:p>
@@ -1893,7 +1911,6 @@
           <a:p>
             <a:fld id="{FC4DED76-851D-4F77-9C2C-EA899D3F4EE9}" type="slidenum">
               <a:rPr lang="zh-CN" altLang="en-US" smtClean="0"/>
-              <a:t>‹#›</a:t>
             </a:fld>
             <a:endParaRPr lang="zh-CN" altLang="en-US"/>
           </a:p>
@@ -1941,7 +1958,6 @@
           <a:p>
             <a:fld id="{3F87D2B3-F1E6-4207-9C5C-EDC36A7B18E3}" type="datetimeFigureOut">
               <a:rPr lang="zh-CN" altLang="en-US" smtClean="0"/>
-              <a:t>2021/3/3</a:t>
             </a:fld>
             <a:endParaRPr lang="zh-CN" altLang="en-US"/>
           </a:p>
@@ -1983,7 +1999,6 @@
           <a:p>
             <a:fld id="{FC4DED76-851D-4F77-9C2C-EA899D3F4EE9}" type="slidenum">
               <a:rPr lang="zh-CN" altLang="en-US" smtClean="0"/>
-              <a:t>‹#›</a:t>
             </a:fld>
             <a:endParaRPr lang="zh-CN" altLang="en-US"/>
           </a:p>
@@ -2099,6 +2114,7 @@
               <a:rPr lang="zh-CN" altLang="en-US" smtClean="0"/>
               <a:t>单击此处编辑母版文本样式</a:t>
             </a:r>
+            <a:endParaRPr lang="zh-CN" altLang="en-US" smtClean="0"/>
           </a:p>
           <a:p>
             <a:pPr lvl="1"/>
@@ -2106,6 +2122,7 @@
               <a:rPr lang="zh-CN" altLang="en-US" smtClean="0"/>
               <a:t>第二级</a:t>
             </a:r>
+            <a:endParaRPr lang="zh-CN" altLang="en-US" smtClean="0"/>
           </a:p>
           <a:p>
             <a:pPr lvl="2"/>
@@ -2113,6 +2130,7 @@
               <a:rPr lang="zh-CN" altLang="en-US" smtClean="0"/>
               <a:t>第三级</a:t>
             </a:r>
+            <a:endParaRPr lang="zh-CN" altLang="en-US" smtClean="0"/>
           </a:p>
           <a:p>
             <a:pPr lvl="3"/>
@@ -2120,6 +2138,7 @@
               <a:rPr lang="zh-CN" altLang="en-US" smtClean="0"/>
               <a:t>第四级</a:t>
             </a:r>
+            <a:endParaRPr lang="zh-CN" altLang="en-US" smtClean="0"/>
           </a:p>
           <a:p>
             <a:pPr lvl="4"/>
@@ -2193,6 +2212,7 @@
               <a:rPr lang="zh-CN" altLang="en-US" smtClean="0"/>
               <a:t>单击此处编辑母版文本样式</a:t>
             </a:r>
+            <a:endParaRPr lang="zh-CN" altLang="en-US" smtClean="0"/>
           </a:p>
         </p:txBody>
       </p:sp>
@@ -2213,7 +2233,6 @@
           <a:p>
             <a:fld id="{3F87D2B3-F1E6-4207-9C5C-EDC36A7B18E3}" type="datetimeFigureOut">
               <a:rPr lang="zh-CN" altLang="en-US" smtClean="0"/>
-              <a:t>2021/3/3</a:t>
             </a:fld>
             <a:endParaRPr lang="zh-CN" altLang="en-US"/>
           </a:p>
@@ -2255,7 +2274,6 @@
           <a:p>
             <a:fld id="{FC4DED76-851D-4F77-9C2C-EA899D3F4EE9}" type="slidenum">
               <a:rPr lang="zh-CN" altLang="en-US" smtClean="0"/>
-              <a:t>‹#›</a:t>
             </a:fld>
             <a:endParaRPr lang="zh-CN" altLang="en-US"/>
           </a:p>
@@ -2441,6 +2459,7 @@
               <a:rPr lang="zh-CN" altLang="en-US" smtClean="0"/>
               <a:t>单击此处编辑母版文本样式</a:t>
             </a:r>
+            <a:endParaRPr lang="zh-CN" altLang="en-US" smtClean="0"/>
           </a:p>
         </p:txBody>
       </p:sp>
@@ -2461,7 +2480,6 @@
           <a:p>
             <a:fld id="{3F87D2B3-F1E6-4207-9C5C-EDC36A7B18E3}" type="datetimeFigureOut">
               <a:rPr lang="zh-CN" altLang="en-US" smtClean="0"/>
-              <a:t>2021/3/3</a:t>
             </a:fld>
             <a:endParaRPr lang="zh-CN" altLang="en-US"/>
           </a:p>
@@ -2503,7 +2521,6 @@
           <a:p>
             <a:fld id="{FC4DED76-851D-4F77-9C2C-EA899D3F4EE9}" type="slidenum">
               <a:rPr lang="zh-CN" altLang="en-US" smtClean="0"/>
-              <a:t>‹#›</a:t>
             </a:fld>
             <a:endParaRPr lang="zh-CN" altLang="en-US"/>
           </a:p>
@@ -2602,6 +2619,7 @@
               <a:rPr lang="zh-CN" altLang="en-US" smtClean="0"/>
               <a:t>单击此处编辑母版文本样式</a:t>
             </a:r>
+            <a:endParaRPr lang="zh-CN" altLang="en-US" smtClean="0"/>
           </a:p>
           <a:p>
             <a:pPr lvl="1"/>
@@ -2609,6 +2627,7 @@
               <a:rPr lang="zh-CN" altLang="en-US" smtClean="0"/>
               <a:t>第二级</a:t>
             </a:r>
+            <a:endParaRPr lang="zh-CN" altLang="en-US" smtClean="0"/>
           </a:p>
           <a:p>
             <a:pPr lvl="2"/>
@@ -2616,6 +2635,7 @@
               <a:rPr lang="zh-CN" altLang="en-US" smtClean="0"/>
               <a:t>第三级</a:t>
             </a:r>
+            <a:endParaRPr lang="zh-CN" altLang="en-US" smtClean="0"/>
           </a:p>
           <a:p>
             <a:pPr lvl="3"/>
@@ -2623,6 +2643,7 @@
               <a:rPr lang="zh-CN" altLang="en-US" smtClean="0"/>
               <a:t>第四级</a:t>
             </a:r>
+            <a:endParaRPr lang="zh-CN" altLang="en-US" smtClean="0"/>
           </a:p>
           <a:p>
             <a:pPr lvl="4"/>
@@ -2669,7 +2690,6 @@
           <a:p>
             <a:fld id="{3F87D2B3-F1E6-4207-9C5C-EDC36A7B18E3}" type="datetimeFigureOut">
               <a:rPr lang="zh-CN" altLang="en-US" smtClean="0"/>
-              <a:t>2021/3/3</a:t>
             </a:fld>
             <a:endParaRPr lang="zh-CN" altLang="en-US"/>
           </a:p>
@@ -2747,7 +2767,6 @@
           <a:p>
             <a:fld id="{FC4DED76-851D-4F77-9C2C-EA899D3F4EE9}" type="slidenum">
               <a:rPr lang="zh-CN" altLang="en-US" smtClean="0"/>
-              <a:t>‹#›</a:t>
             </a:fld>
             <a:endParaRPr lang="zh-CN" altLang="en-US"/>
           </a:p>
@@ -2791,7 +2810,7 @@
         <a:spcBef>
           <a:spcPct val="20000"/>
         </a:spcBef>
-        <a:buFont typeface="Arial" pitchFamily="34" charset="0"/>
+        <a:buFont typeface="Arial" panose="020B0604020202020204" pitchFamily="34" charset="0"/>
         <a:buChar char="•"/>
         <a:defRPr sz="3200" kern="1200">
           <a:solidFill>
@@ -2806,7 +2825,7 @@
         <a:spcBef>
           <a:spcPct val="20000"/>
         </a:spcBef>
-        <a:buFont typeface="Arial" pitchFamily="34" charset="0"/>
+        <a:buFont typeface="Arial" panose="020B0604020202020204" pitchFamily="34" charset="0"/>
         <a:buChar char="–"/>
         <a:defRPr sz="2800" kern="1200">
           <a:solidFill>
@@ -2821,7 +2840,7 @@
         <a:spcBef>
           <a:spcPct val="20000"/>
         </a:spcBef>
-        <a:buFont typeface="Arial" pitchFamily="34" charset="0"/>
+        <a:buFont typeface="Arial" panose="020B0604020202020204" pitchFamily="34" charset="0"/>
         <a:buChar char="•"/>
         <a:defRPr sz="2400" kern="1200">
           <a:solidFill>
@@ -2836,7 +2855,7 @@
         <a:spcBef>
           <a:spcPct val="20000"/>
         </a:spcBef>
-        <a:buFont typeface="Arial" pitchFamily="34" charset="0"/>
+        <a:buFont typeface="Arial" panose="020B0604020202020204" pitchFamily="34" charset="0"/>
         <a:buChar char="–"/>
         <a:defRPr sz="2000" kern="1200">
           <a:solidFill>
@@ -2851,7 +2870,7 @@
         <a:spcBef>
           <a:spcPct val="20000"/>
         </a:spcBef>
-        <a:buFont typeface="Arial" pitchFamily="34" charset="0"/>
+        <a:buFont typeface="Arial" panose="020B0604020202020204" pitchFamily="34" charset="0"/>
         <a:buChar char="»"/>
         <a:defRPr sz="2000" kern="1200">
           <a:solidFill>
@@ -2866,7 +2885,7 @@
         <a:spcBef>
           <a:spcPct val="20000"/>
         </a:spcBef>
-        <a:buFont typeface="Arial" pitchFamily="34" charset="0"/>
+        <a:buFont typeface="Arial" panose="020B0604020202020204" pitchFamily="34" charset="0"/>
         <a:buChar char="•"/>
         <a:defRPr sz="2000" kern="1200">
           <a:solidFill>
@@ -2881,7 +2900,7 @@
         <a:spcBef>
           <a:spcPct val="20000"/>
         </a:spcBef>
-        <a:buFont typeface="Arial" pitchFamily="34" charset="0"/>
+        <a:buFont typeface="Arial" panose="020B0604020202020204" pitchFamily="34" charset="0"/>
         <a:buChar char="•"/>
         <a:defRPr sz="2000" kern="1200">
           <a:solidFill>
@@ -2896,7 +2915,7 @@
         <a:spcBef>
           <a:spcPct val="20000"/>
         </a:spcBef>
-        <a:buFont typeface="Arial" pitchFamily="34" charset="0"/>
+        <a:buFont typeface="Arial" panose="020B0604020202020204" pitchFamily="34" charset="0"/>
         <a:buChar char="•"/>
         <a:defRPr sz="2000" kern="1200">
           <a:solidFill>
@@ -2911,7 +2930,7 @@
         <a:spcBef>
           <a:spcPct val="20000"/>
         </a:spcBef>
-        <a:buFont typeface="Arial" pitchFamily="34" charset="0"/>
+        <a:buFont typeface="Arial" panose="020B0604020202020204" pitchFamily="34" charset="0"/>
         <a:buChar char="•"/>
         <a:defRPr sz="2000" kern="1200">
           <a:solidFill>
@@ -3143,7 +3162,7 @@
           <p:nvPr/>
         </p:nvPicPr>
         <p:blipFill>
-          <a:blip r:embed="rId2"/>
+          <a:blip r:embed="rId1"/>
           <a:srcRect/>
           <a:stretch>
             <a:fillRect/>
@@ -3178,7 +3197,7 @@
           </p:nvPr>
         </p:nvPicPr>
         <p:blipFill>
-          <a:blip r:embed="rId3" cstate="print"/>
+          <a:blip r:embed="rId2" cstate="print"/>
           <a:srcRect/>
           <a:stretch>
             <a:fillRect/>
@@ -3475,7 +3494,7 @@
           </p:nvPr>
         </p:nvPicPr>
         <p:blipFill>
-          <a:blip r:embed="rId2"/>
+          <a:blip r:embed="rId1"/>
           <a:srcRect/>
           <a:stretch>
             <a:fillRect/>
@@ -3508,7 +3527,7 @@
           <p:nvPr/>
         </p:nvPicPr>
         <p:blipFill>
-          <a:blip r:embed="rId3"/>
+          <a:blip r:embed="rId2"/>
           <a:srcRect/>
           <a:stretch>
             <a:fillRect/>
@@ -3592,7 +3611,7 @@
           </p:nvPr>
         </p:nvPicPr>
         <p:blipFill>
-          <a:blip r:embed="rId2"/>
+          <a:blip r:embed="rId1"/>
           <a:srcRect/>
           <a:stretch>
             <a:fillRect/>
@@ -3633,6 +3652,332 @@
         <p:cNvGrpSpPr/>
         <p:nvPr/>
       </p:nvGrpSpPr>
+      <p:grpSpPr/>
+      <p:sp>
+        <p:nvSpPr>
+          <p:cNvPr id="2" name="标题 1"/>
+          <p:cNvSpPr>
+            <a:spLocks noGrp="1"/>
+          </p:cNvSpPr>
+          <p:nvPr>
+            <p:ph type="title"/>
+          </p:nvPr>
+        </p:nvSpPr>
+        <p:spPr/>
+        <p:txBody>
+          <a:bodyPr/>
+          <a:p>
+            <a:endParaRPr lang="zh-CN" altLang="en-US"/>
+          </a:p>
+        </p:txBody>
+      </p:sp>
+      <p:pic>
+        <p:nvPicPr>
+          <p:cNvPr id="4" name="air_2">
+            <a:hlinkClick r:id="" action="ppaction://media"/>
+          </p:cNvPr>
+          <p:cNvPicPr/>
+          <p:nvPr>
+            <p:ph idx="1"/>
+            <a:videoFile r:link="rId1"/>
+            <p:extLst>
+              <p:ext uri="{DAA4B4D4-6D71-4841-9C94-3DE7FCFB9230}">
+                <p14:media xmlns:p14="http://schemas.microsoft.com/office/powerpoint/2010/main" r:embed="rId2"/>
+              </p:ext>
+            </p:extLst>
+            <p:custDataLst>
+              <p:tags r:id="rId3"/>
+            </p:custDataLst>
+          </p:nvPr>
+        </p:nvPicPr>
+        <p:blipFill>
+          <a:blip r:embed="rId4"/>
+          <a:stretch>
+            <a:fillRect/>
+          </a:stretch>
+        </p:blipFill>
+        <p:spPr>
+          <a:xfrm>
+            <a:off x="1266825" y="1872457"/>
+            <a:ext cx="6610350" cy="3981450"/>
+          </a:xfrm>
+          <a:prstGeom prst="rect">
+            <a:avLst/>
+          </a:prstGeom>
+        </p:spPr>
+      </p:pic>
+    </p:spTree>
+  </p:cSld>
+  <p:clrMapOvr>
+    <a:masterClrMapping/>
+  </p:clrMapOvr>
+  <p:timing>
+    <p:tnLst>
+      <p:par>
+        <p:cTn id="1" dur="indefinite" restart="never" nodeType="tmRoot">
+          <p:childTnLst>
+            <p:video fullScrn="0">
+              <p:cMediaNode>
+                <p:cTn id="2" fill="hold" display="1">
+                  <p:stCondLst>
+                    <p:cond delay="indefinite"/>
+                  </p:stCondLst>
+                  <p:endCondLst>
+                    <p:cond evt="onNext">
+                      <p:tgtEl>
+                        <p:sldTgt/>
+                      </p:tgtEl>
+                    </p:cond>
+                    <p:cond evt="onPrev">
+                      <p:tgtEl>
+                        <p:sldTgt/>
+                      </p:tgtEl>
+                    </p:cond>
+                  </p:endCondLst>
+                </p:cTn>
+                <p:tgtEl>
+                  <p:spTgt spid="4"/>
+                </p:tgtEl>
+              </p:cMediaNode>
+            </p:video>
+            <p:seq concurrent="1" nextAc="seek">
+              <p:cTn id="3" restart="whenNotActive" fill="hold" evtFilter="cancelBubble" nodeType="interactiveSeq">
+                <p:stCondLst>
+                  <p:cond evt="onClick" delay="0">
+                    <p:tgtEl>
+                      <p:spTgt spid="4"/>
+                    </p:tgtEl>
+                  </p:cond>
+                </p:stCondLst>
+                <p:endSync evt="end" delay="0">
+                  <p:rtn val="all"/>
+                </p:endSync>
+                <p:childTnLst>
+                  <p:par>
+                    <p:cTn id="4" fill="hold">
+                      <p:stCondLst>
+                        <p:cond delay="0"/>
+                      </p:stCondLst>
+                      <p:childTnLst>
+                        <p:par>
+                          <p:cTn id="5" fill="hold">
+                            <p:stCondLst>
+                              <p:cond delay="0"/>
+                            </p:stCondLst>
+                            <p:childTnLst>
+                              <p:par>
+                                <p:cTn id="6" presetID="2" presetClass="mediacall" presetSubtype="0" fill="hold" nodeType="clickEffect">
+                                  <p:stCondLst>
+                                    <p:cond delay="0"/>
+                                  </p:stCondLst>
+                                  <p:childTnLst>
+                                    <p:cmd type="call" cmd="togglePause">
+                                      <p:cBhvr additive="base">
+                                        <p:cTn id="7" dur="1" fill="hold"/>
+                                        <p:tgtEl>
+                                          <p:spTgt spid="4"/>
+                                        </p:tgtEl>
+                                      </p:cBhvr>
+                                    </p:cmd>
+                                  </p:childTnLst>
+                                </p:cTn>
+                              </p:par>
+                            </p:childTnLst>
+                          </p:cTn>
+                        </p:par>
+                      </p:childTnLst>
+                    </p:cTn>
+                  </p:par>
+                </p:childTnLst>
+              </p:cTn>
+              <p:nextCondLst>
+                <p:cond evt="onClick" delay="0">
+                  <p:tgtEl>
+                    <p:spTgt spid="4"/>
+                  </p:tgtEl>
+                </p:cond>
+              </p:nextCondLst>
+            </p:seq>
+          </p:childTnLst>
+        </p:cTn>
+      </p:par>
+    </p:tnLst>
+  </p:timing>
+</p:sld>
+</file>
+
+<file path=ppt/slides/slide6.xml><?xml version="1.0" encoding="utf-8"?>
+<p:sld xmlns:a="http://schemas.openxmlformats.org/drawingml/2006/main" xmlns:r="http://schemas.openxmlformats.org/officeDocument/2006/relationships" xmlns:p="http://schemas.openxmlformats.org/presentationml/2006/main">
+  <p:cSld>
+    <p:spTree>
+      <p:nvGrpSpPr>
+        <p:cNvPr id="1" name=""/>
+        <p:cNvGrpSpPr/>
+        <p:nvPr/>
+      </p:nvGrpSpPr>
+      <p:grpSpPr/>
+      <p:sp>
+        <p:nvSpPr>
+          <p:cNvPr id="2" name="标题 1"/>
+          <p:cNvSpPr>
+            <a:spLocks noGrp="1"/>
+          </p:cNvSpPr>
+          <p:nvPr>
+            <p:ph type="title"/>
+          </p:nvPr>
+        </p:nvSpPr>
+        <p:spPr/>
+        <p:txBody>
+          <a:bodyPr/>
+          <a:p>
+            <a:endParaRPr lang="zh-CN" altLang="en-US"/>
+          </a:p>
+        </p:txBody>
+      </p:sp>
+      <p:pic>
+        <p:nvPicPr>
+          <p:cNvPr id="4" name="gas_2">
+            <a:hlinkClick r:id="" action="ppaction://media"/>
+          </p:cNvPr>
+          <p:cNvPicPr/>
+          <p:nvPr>
+            <p:ph idx="1"/>
+            <a:videoFile r:link="rId1"/>
+            <p:extLst>
+              <p:ext uri="{DAA4B4D4-6D71-4841-9C94-3DE7FCFB9230}">
+                <p14:media xmlns:p14="http://schemas.microsoft.com/office/powerpoint/2010/main" r:embed="rId2"/>
+              </p:ext>
+            </p:extLst>
+            <p:custDataLst>
+              <p:tags r:id="rId3"/>
+            </p:custDataLst>
+          </p:nvPr>
+        </p:nvPicPr>
+        <p:blipFill>
+          <a:blip r:embed="rId4"/>
+          <a:stretch>
+            <a:fillRect/>
+          </a:stretch>
+        </p:blipFill>
+        <p:spPr>
+          <a:xfrm>
+            <a:off x="1619250" y="1843882"/>
+            <a:ext cx="5905500" cy="4038600"/>
+          </a:xfrm>
+          <a:prstGeom prst="rect">
+            <a:avLst/>
+          </a:prstGeom>
+        </p:spPr>
+      </p:pic>
+    </p:spTree>
+  </p:cSld>
+  <p:clrMapOvr>
+    <a:masterClrMapping/>
+  </p:clrMapOvr>
+  <p:timing>
+    <p:tnLst>
+      <p:par>
+        <p:cTn id="1" dur="indefinite" restart="never" nodeType="tmRoot">
+          <p:childTnLst>
+            <p:video fullScrn="0">
+              <p:cMediaNode>
+                <p:cTn id="2" fill="hold" display="1">
+                  <p:stCondLst>
+                    <p:cond delay="indefinite"/>
+                  </p:stCondLst>
+                  <p:endCondLst>
+                    <p:cond evt="onNext">
+                      <p:tgtEl>
+                        <p:sldTgt/>
+                      </p:tgtEl>
+                    </p:cond>
+                    <p:cond evt="onPrev">
+                      <p:tgtEl>
+                        <p:sldTgt/>
+                      </p:tgtEl>
+                    </p:cond>
+                  </p:endCondLst>
+                </p:cTn>
+                <p:tgtEl>
+                  <p:spTgt spid="4"/>
+                </p:tgtEl>
+              </p:cMediaNode>
+            </p:video>
+            <p:seq concurrent="1" nextAc="seek">
+              <p:cTn id="3" restart="whenNotActive" fill="hold" evtFilter="cancelBubble" nodeType="interactiveSeq">
+                <p:stCondLst>
+                  <p:cond evt="onClick" delay="0">
+                    <p:tgtEl>
+                      <p:spTgt spid="4"/>
+                    </p:tgtEl>
+                  </p:cond>
+                </p:stCondLst>
+                <p:endSync evt="end" delay="0">
+                  <p:rtn val="all"/>
+                </p:endSync>
+                <p:childTnLst>
+                  <p:par>
+                    <p:cTn id="4" fill="hold">
+                      <p:stCondLst>
+                        <p:cond delay="0"/>
+                      </p:stCondLst>
+                      <p:childTnLst>
+                        <p:par>
+                          <p:cTn id="5" fill="hold">
+                            <p:stCondLst>
+                              <p:cond delay="0"/>
+                            </p:stCondLst>
+                            <p:childTnLst>
+                              <p:par>
+                                <p:cTn id="6" presetID="2" presetClass="mediacall" presetSubtype="0" fill="hold" nodeType="clickEffect">
+                                  <p:stCondLst>
+                                    <p:cond delay="0"/>
+                                  </p:stCondLst>
+                                  <p:childTnLst>
+                                    <p:cmd type="call" cmd="togglePause">
+                                      <p:cBhvr additive="base">
+                                        <p:cTn id="7" dur="1" fill="hold"/>
+                                        <p:tgtEl>
+                                          <p:spTgt spid="4"/>
+                                        </p:tgtEl>
+                                      </p:cBhvr>
+                                    </p:cmd>
+                                  </p:childTnLst>
+                                </p:cTn>
+                              </p:par>
+                            </p:childTnLst>
+                          </p:cTn>
+                        </p:par>
+                      </p:childTnLst>
+                    </p:cTn>
+                  </p:par>
+                </p:childTnLst>
+              </p:cTn>
+              <p:nextCondLst>
+                <p:cond evt="onClick" delay="0">
+                  <p:tgtEl>
+                    <p:spTgt spid="4"/>
+                  </p:tgtEl>
+                </p:cond>
+              </p:nextCondLst>
+            </p:seq>
+          </p:childTnLst>
+        </p:cTn>
+      </p:par>
+    </p:tnLst>
+  </p:timing>
+</p:sld>
+</file>
+
+<file path=ppt/slides/slide7.xml><?xml version="1.0" encoding="utf-8"?>
+<p:sld xmlns:a="http://schemas.openxmlformats.org/drawingml/2006/main" xmlns:r="http://schemas.openxmlformats.org/officeDocument/2006/relationships" xmlns:p="http://schemas.openxmlformats.org/presentationml/2006/main">
+  <p:cSld>
+    <p:spTree>
+      <p:nvGrpSpPr>
+        <p:cNvPr id="1" name=""/>
+        <p:cNvGrpSpPr/>
+        <p:nvPr/>
+      </p:nvGrpSpPr>
       <p:grpSpPr>
         <a:xfrm>
           <a:off x="0" y="0"/>
@@ -3684,6 +4029,7 @@
               <a:rPr lang="en-US" altLang="zh-CN" dirty="0" smtClean="0"/>
               <a:t>PCB assembly</a:t>
             </a:r>
+            <a:endParaRPr lang="en-US" altLang="zh-CN" dirty="0" smtClean="0"/>
           </a:p>
           <a:p>
             <a:r>
@@ -3700,6 +4046,34 @@
     <a:masterClrMapping/>
   </p:clrMapOvr>
 </p:sld>
+</file>
+
+<file path=ppt/tags/tag1.xml><?xml version="1.0" encoding="utf-8"?>
+<p:tagLst xmlns:p="http://schemas.openxmlformats.org/presentationml/2006/main">
+  <p:tag name="KSO_WM_MEDIACOVER_FLAG" val="1"/>
+  <p:tag name="KSO_WM_UNIT_MEDIACOVER_BTN_STATE" val="1"/>
+  <p:tag name="KSO_WM_UNIT_MEDIACOVER_BTNRECT" val="6807*5691*784*784"/>
+  <p:tag name="KSO_WM_UNIT_MEDIACOVER_STYLEID" val="1"/>
+  <p:tag name="KSO_WM_UNIT_MEDIACOVER_TEXTSTATE" val="0"/>
+  <p:tag name="KSO_WM_UNIT_MEDIACOVER_BTN_POS" val="c"/>
+  <p:tag name="KSO_WM_UNIT_MEDIACOVER_BTN_STYLE" val="ee0bc779c1f3d7f3e90c96344320e69a"/>
+  <p:tag name="KSO_WM_UNIT_MEDIACOVER_RGB" val="000000"/>
+  <p:tag name="KSO_WM_UNIT_MEDIACOVER_TRANSPARENCY" val="0.5"/>
+</p:tagLst>
+</file>
+
+<file path=ppt/tags/tag2.xml><?xml version="1.0" encoding="utf-8"?>
+<p:tagLst xmlns:p="http://schemas.openxmlformats.org/presentationml/2006/main">
+  <p:tag name="KSO_WM_MEDIACOVER_FLAG" val="1"/>
+  <p:tag name="KSO_WM_UNIT_MEDIACOVER_BTN_STATE" val="1"/>
+  <p:tag name="KSO_WM_UNIT_MEDIACOVER_BTNRECT" val="6807*5691*784*784"/>
+  <p:tag name="KSO_WM_UNIT_MEDIACOVER_STYLEID" val="1"/>
+  <p:tag name="KSO_WM_UNIT_MEDIACOVER_TEXTSTATE" val="0"/>
+  <p:tag name="KSO_WM_UNIT_MEDIACOVER_BTN_POS" val="c"/>
+  <p:tag name="KSO_WM_UNIT_MEDIACOVER_BTN_STYLE" val="ee0bc779c1f3d7f3e90c96344320e69a"/>
+  <p:tag name="KSO_WM_UNIT_MEDIACOVER_RGB" val="000000"/>
+  <p:tag name="KSO_WM_UNIT_MEDIACOVER_TRANSPARENCY" val="0.5"/>
+</p:tagLst>
 </file>
 
 <file path=ppt/theme/theme1.xml><?xml version="1.0" encoding="utf-8"?>
@@ -3980,7 +4354,10 @@
       </a:bgFillStyleLst>
     </a:fmtScheme>
   </a:themeElements>
-  <a:objectDefaults/>
-  <a:extraClrSchemeLst/>
+  <a:extLst>
+    <a:ext uri="{05A4C25C-085E-4340-85A3-A5531E510DB2}">
+      <thm15:themeFamily xmlns:thm15="http://schemas.microsoft.com/office/thememl/2012/main" name="Office Theme" id="{62F939B6-93AF-4DB8-9C6B-D6C7DFDC589F}" vid="{4A3C46E8-61CC-4603-A589-7422A47A8E4A}"/>
+    </a:ext>
+  </a:extLst>
 </a:theme>
 </file>